--- a/游戏概要.pptx
+++ b/游戏概要.pptx
@@ -12,6 +12,8 @@
     <p:sldId id="261" r:id="rId7"/>
     <p:sldId id="262" r:id="rId8"/>
     <p:sldId id="263" r:id="rId9"/>
+    <p:sldId id="264" r:id="rId10"/>
+    <p:sldId id="265" r:id="rId11"/>
   </p:sldIdLst>
   <p:sldSz cx="12192000" cy="6858000"/>
   <p:notesSz cx="6858000" cy="9144000"/>
@@ -4343,6 +4345,498 @@
         <p:spPr>
           <a:xfrm>
             <a:off x="465826" y="274839"/>
+            <a:ext cx="3165895" cy="624840"/>
+          </a:xfrm>
+          <a:prstGeom prst="rect">
+            <a:avLst/>
+          </a:prstGeom>
+          <a:noFill/>
+        </p:spPr>
+        <p:txBody>
+          <a:bodyPr wrap="square" rtlCol="0">
+            <a:spAutoFit/>
+          </a:bodyPr>
+          <a:lstStyle/>
+          <a:p>
+            <a:r>
+              <a:rPr lang="zh-CN" altLang="en-US" sz="3500" dirty="0">
+                <a:solidFill>
+                  <a:schemeClr val="bg1"/>
+                </a:solidFill>
+              </a:rPr>
+              <a:t>任务</a:t>
+            </a:r>
+            <a:endParaRPr lang="zh-CN" altLang="en-US" sz="3500" dirty="0">
+              <a:solidFill>
+                <a:schemeClr val="bg1"/>
+              </a:solidFill>
+            </a:endParaRPr>
+          </a:p>
+        </p:txBody>
+      </p:sp>
+      <p:sp>
+        <p:nvSpPr>
+          <p:cNvPr id="6" name="文本框 5"/>
+          <p:cNvSpPr txBox="1"/>
+          <p:nvPr/>
+        </p:nvSpPr>
+        <p:spPr>
+          <a:xfrm>
+            <a:off x="569342" y="1285336"/>
+            <a:ext cx="1216325" cy="383540"/>
+          </a:xfrm>
+          <a:prstGeom prst="rect">
+            <a:avLst/>
+          </a:prstGeom>
+          <a:noFill/>
+        </p:spPr>
+        <p:txBody>
+          <a:bodyPr wrap="square" rtlCol="0">
+            <a:spAutoFit/>
+          </a:bodyPr>
+          <a:lstStyle/>
+          <a:p>
+            <a:r>
+              <a:rPr lang="zh-CN" altLang="en-US" sz="1900" b="1" dirty="0" smtClean="0">
+                <a:solidFill>
+                  <a:srgbClr val="29B167"/>
+                </a:solidFill>
+              </a:rPr>
+              <a:t>任务拆解  </a:t>
+            </a:r>
+            <a:endParaRPr lang="zh-CN" altLang="en-US" sz="1900" b="1" dirty="0">
+              <a:solidFill>
+                <a:srgbClr val="29B167"/>
+              </a:solidFill>
+            </a:endParaRPr>
+          </a:p>
+        </p:txBody>
+      </p:sp>
+      <p:cxnSp>
+        <p:nvCxnSpPr>
+          <p:cNvPr id="8" name="直接连接符 7"/>
+          <p:cNvCxnSpPr/>
+          <p:nvPr/>
+        </p:nvCxnSpPr>
+        <p:spPr>
+          <a:xfrm>
+            <a:off x="690113" y="1654668"/>
+            <a:ext cx="3502325" cy="0"/>
+          </a:xfrm>
+          <a:prstGeom prst="line">
+            <a:avLst/>
+          </a:prstGeom>
+        </p:spPr>
+        <p:style>
+          <a:lnRef idx="3">
+            <a:schemeClr val="accent6"/>
+          </a:lnRef>
+          <a:fillRef idx="0">
+            <a:schemeClr val="accent6"/>
+          </a:fillRef>
+          <a:effectRef idx="2">
+            <a:schemeClr val="accent6"/>
+          </a:effectRef>
+          <a:fontRef idx="minor">
+            <a:schemeClr val="tx1"/>
+          </a:fontRef>
+        </p:style>
+      </p:cxnSp>
+      <p:sp>
+        <p:nvSpPr>
+          <p:cNvPr id="2" name="文本框 1"/>
+          <p:cNvSpPr txBox="1"/>
+          <p:nvPr/>
+        </p:nvSpPr>
+        <p:spPr>
+          <a:xfrm>
+            <a:off x="690245" y="2054225"/>
+            <a:ext cx="2540000" cy="2288540"/>
+          </a:xfrm>
+          <a:prstGeom prst="rect">
+            <a:avLst/>
+          </a:prstGeom>
+          <a:noFill/>
+        </p:spPr>
+        <p:txBody>
+          <a:bodyPr wrap="square" rtlCol="0" anchor="t">
+            <a:spAutoFit/>
+          </a:bodyPr>
+          <a:p>
+            <a:pPr marL="0" indent="0">
+              <a:buNone/>
+            </a:pPr>
+            <a:r>
+              <a:rPr lang="en-US" altLang="zh-CN">
+                <a:sym typeface="+mn-ea"/>
+              </a:rPr>
+              <a:t>1.</a:t>
+            </a:r>
+            <a:r>
+              <a:rPr lang="zh-CN" altLang="en-US">
+                <a:sym typeface="+mn-ea"/>
+              </a:rPr>
+              <a:t>存在的意义</a:t>
+            </a:r>
+            <a:endParaRPr lang="zh-CN" altLang="en-US"/>
+          </a:p>
+          <a:p>
+            <a:pPr marL="0" indent="0">
+              <a:buNone/>
+            </a:pPr>
+            <a:r>
+              <a:rPr lang="en-US" altLang="zh-CN">
+                <a:sym typeface="+mn-ea"/>
+              </a:rPr>
+              <a:t>2.</a:t>
+            </a:r>
+            <a:r>
+              <a:rPr lang="zh-CN" altLang="en-US">
+                <a:sym typeface="+mn-ea"/>
+              </a:rPr>
+              <a:t>如何获得</a:t>
+            </a:r>
+            <a:endParaRPr lang="zh-CN" altLang="en-US"/>
+          </a:p>
+          <a:p>
+            <a:pPr marL="0" indent="0">
+              <a:buNone/>
+            </a:pPr>
+            <a:r>
+              <a:rPr lang="en-US" altLang="zh-CN">
+                <a:sym typeface="+mn-ea"/>
+              </a:rPr>
+              <a:t>3.</a:t>
+            </a:r>
+            <a:r>
+              <a:rPr lang="zh-CN" altLang="en-US">
+                <a:sym typeface="+mn-ea"/>
+              </a:rPr>
+              <a:t>如何执行</a:t>
+            </a:r>
+            <a:endParaRPr lang="zh-CN" altLang="en-US"/>
+          </a:p>
+          <a:p>
+            <a:pPr marL="0" indent="0">
+              <a:buNone/>
+            </a:pPr>
+            <a:r>
+              <a:rPr lang="en-US" altLang="zh-CN">
+                <a:sym typeface="+mn-ea"/>
+              </a:rPr>
+              <a:t>4.</a:t>
+            </a:r>
+            <a:r>
+              <a:rPr lang="zh-CN" altLang="en-US">
+                <a:sym typeface="+mn-ea"/>
+              </a:rPr>
+              <a:t>如何交付</a:t>
+            </a:r>
+            <a:endParaRPr lang="zh-CN" altLang="en-US"/>
+          </a:p>
+          <a:p>
+            <a:pPr marL="0" indent="0">
+              <a:buNone/>
+            </a:pPr>
+            <a:r>
+              <a:rPr lang="en-US" altLang="zh-CN">
+                <a:sym typeface="+mn-ea"/>
+              </a:rPr>
+              <a:t>5.</a:t>
+            </a:r>
+            <a:r>
+              <a:rPr lang="zh-CN" altLang="en-US">
+                <a:sym typeface="+mn-ea"/>
+              </a:rPr>
+              <a:t>起到什么作用</a:t>
+            </a:r>
+            <a:endParaRPr lang="zh-CN" altLang="en-US"/>
+          </a:p>
+          <a:p>
+            <a:pPr marL="0" indent="0">
+              <a:buNone/>
+            </a:pPr>
+            <a:endParaRPr lang="zh-CN" altLang="en-US"/>
+          </a:p>
+          <a:p>
+            <a:pPr marL="0" indent="0">
+              <a:buNone/>
+            </a:pPr>
+            <a:r>
+              <a:rPr lang="zh-CN" altLang="en-US">
+                <a:sym typeface="+mn-ea"/>
+              </a:rPr>
+              <a:t>一张复杂地图，有深度的人物及任务</a:t>
+            </a:r>
+            <a:endParaRPr lang="zh-CN" altLang="en-US"/>
+          </a:p>
+        </p:txBody>
+      </p:sp>
+    </p:spTree>
+  </p:cSld>
+  <p:clrMapOvr>
+    <a:masterClrMapping/>
+  </p:clrMapOvr>
+</p:sld>
+</file>
+
+<file path=ppt/slides/slide8.xml><?xml version="1.0" encoding="utf-8"?>
+<p:sld xmlns:a="http://schemas.openxmlformats.org/drawingml/2006/main" xmlns:r="http://schemas.openxmlformats.org/officeDocument/2006/relationships" xmlns:p="http://schemas.openxmlformats.org/presentationml/2006/main">
+  <p:cSld>
+    <p:spTree>
+      <p:nvGrpSpPr>
+        <p:cNvPr id="1" name=""/>
+        <p:cNvGrpSpPr/>
+        <p:nvPr/>
+      </p:nvGrpSpPr>
+      <p:grpSpPr>
+        <a:xfrm>
+          <a:off x="0" y="0"/>
+          <a:ext cx="0" cy="0"/>
+          <a:chOff x="0" y="0"/>
+          <a:chExt cx="0" cy="0"/>
+        </a:xfrm>
+      </p:grpSpPr>
+      <p:sp>
+        <p:nvSpPr>
+          <p:cNvPr id="4" name="矩形 3"/>
+          <p:cNvSpPr/>
+          <p:nvPr/>
+        </p:nvSpPr>
+        <p:spPr>
+          <a:xfrm>
+            <a:off x="0" y="241547"/>
+            <a:ext cx="12192000" cy="664234"/>
+          </a:xfrm>
+          <a:prstGeom prst="rect">
+            <a:avLst/>
+          </a:prstGeom>
+          <a:solidFill>
+            <a:srgbClr val="29B167"/>
+          </a:solidFill>
+          <a:ln>
+            <a:noFill/>
+          </a:ln>
+        </p:spPr>
+        <p:style>
+          <a:lnRef idx="2">
+            <a:schemeClr val="accent1">
+              <a:shade val="50000"/>
+            </a:schemeClr>
+          </a:lnRef>
+          <a:fillRef idx="1">
+            <a:schemeClr val="accent1"/>
+          </a:fillRef>
+          <a:effectRef idx="0">
+            <a:schemeClr val="accent1"/>
+          </a:effectRef>
+          <a:fontRef idx="minor">
+            <a:schemeClr val="lt1"/>
+          </a:fontRef>
+        </p:style>
+        <p:txBody>
+          <a:bodyPr rtlCol="0" anchor="ctr"/>
+          <a:lstStyle/>
+          <a:p>
+            <a:pPr algn="ctr"/>
+            <a:endParaRPr lang="zh-CN" altLang="en-US"/>
+          </a:p>
+        </p:txBody>
+      </p:sp>
+      <p:sp>
+        <p:nvSpPr>
+          <p:cNvPr id="5" name="文本框 4"/>
+          <p:cNvSpPr txBox="1"/>
+          <p:nvPr/>
+        </p:nvSpPr>
+        <p:spPr>
+          <a:xfrm>
+            <a:off x="465826" y="274839"/>
+            <a:ext cx="3165895" cy="630942"/>
+          </a:xfrm>
+          <a:prstGeom prst="rect">
+            <a:avLst/>
+          </a:prstGeom>
+          <a:noFill/>
+        </p:spPr>
+        <p:txBody>
+          <a:bodyPr wrap="square" rtlCol="0">
+            <a:spAutoFit/>
+          </a:bodyPr>
+          <a:lstStyle/>
+          <a:p>
+            <a:r>
+              <a:rPr lang="en-US" altLang="zh-CN" sz="3500" dirty="0" err="1">
+                <a:solidFill>
+                  <a:schemeClr val="bg1"/>
+                </a:solidFill>
+              </a:rPr>
+              <a:t>xy</a:t>
+            </a:r>
+            <a:r>
+              <a:rPr lang="zh-CN" altLang="en-US" sz="3500" dirty="0" smtClean="0">
+                <a:solidFill>
+                  <a:schemeClr val="bg1"/>
+                </a:solidFill>
+              </a:rPr>
+              <a:t>简介</a:t>
+            </a:r>
+            <a:endParaRPr lang="zh-CN" altLang="en-US" sz="3500" dirty="0">
+              <a:solidFill>
+                <a:schemeClr val="bg1"/>
+              </a:solidFill>
+            </a:endParaRPr>
+          </a:p>
+        </p:txBody>
+      </p:sp>
+      <p:sp>
+        <p:nvSpPr>
+          <p:cNvPr id="6" name="文本框 5"/>
+          <p:cNvSpPr txBox="1"/>
+          <p:nvPr/>
+        </p:nvSpPr>
+        <p:spPr>
+          <a:xfrm>
+            <a:off x="569342" y="1285336"/>
+            <a:ext cx="1216325" cy="384721"/>
+          </a:xfrm>
+          <a:prstGeom prst="rect">
+            <a:avLst/>
+          </a:prstGeom>
+          <a:noFill/>
+        </p:spPr>
+        <p:txBody>
+          <a:bodyPr wrap="square" rtlCol="0">
+            <a:spAutoFit/>
+          </a:bodyPr>
+          <a:lstStyle/>
+          <a:p>
+            <a:r>
+              <a:rPr lang="zh-CN" altLang="en-US" sz="1900" b="1" dirty="0" smtClean="0">
+                <a:solidFill>
+                  <a:srgbClr val="29B167"/>
+                </a:solidFill>
+              </a:rPr>
+              <a:t>后台说明  </a:t>
+            </a:r>
+            <a:endParaRPr lang="zh-CN" altLang="en-US" sz="1900" b="1" dirty="0">
+              <a:solidFill>
+                <a:srgbClr val="29B167"/>
+              </a:solidFill>
+            </a:endParaRPr>
+          </a:p>
+        </p:txBody>
+      </p:sp>
+      <p:cxnSp>
+        <p:nvCxnSpPr>
+          <p:cNvPr id="8" name="直接连接符 7"/>
+          <p:cNvCxnSpPr/>
+          <p:nvPr/>
+        </p:nvCxnSpPr>
+        <p:spPr>
+          <a:xfrm>
+            <a:off x="690113" y="1654668"/>
+            <a:ext cx="3502325" cy="0"/>
+          </a:xfrm>
+          <a:prstGeom prst="line">
+            <a:avLst/>
+          </a:prstGeom>
+        </p:spPr>
+        <p:style>
+          <a:lnRef idx="3">
+            <a:schemeClr val="accent6"/>
+          </a:lnRef>
+          <a:fillRef idx="0">
+            <a:schemeClr val="accent6"/>
+          </a:fillRef>
+          <a:effectRef idx="2">
+            <a:schemeClr val="accent6"/>
+          </a:effectRef>
+          <a:fontRef idx="minor">
+            <a:schemeClr val="tx1"/>
+          </a:fontRef>
+        </p:style>
+      </p:cxnSp>
+    </p:spTree>
+  </p:cSld>
+  <p:clrMapOvr>
+    <a:masterClrMapping/>
+  </p:clrMapOvr>
+</p:sld>
+</file>
+
+<file path=ppt/slides/slide9.xml><?xml version="1.0" encoding="utf-8"?>
+<p:sld xmlns:a="http://schemas.openxmlformats.org/drawingml/2006/main" xmlns:r="http://schemas.openxmlformats.org/officeDocument/2006/relationships" xmlns:p="http://schemas.openxmlformats.org/presentationml/2006/main">
+  <p:cSld>
+    <p:spTree>
+      <p:nvGrpSpPr>
+        <p:cNvPr id="1" name=""/>
+        <p:cNvGrpSpPr/>
+        <p:nvPr/>
+      </p:nvGrpSpPr>
+      <p:grpSpPr>
+        <a:xfrm>
+          <a:off x="0" y="0"/>
+          <a:ext cx="0" cy="0"/>
+          <a:chOff x="0" y="0"/>
+          <a:chExt cx="0" cy="0"/>
+        </a:xfrm>
+      </p:grpSpPr>
+      <p:sp>
+        <p:nvSpPr>
+          <p:cNvPr id="4" name="矩形 3"/>
+          <p:cNvSpPr/>
+          <p:nvPr/>
+        </p:nvSpPr>
+        <p:spPr>
+          <a:xfrm>
+            <a:off x="0" y="241547"/>
+            <a:ext cx="12192000" cy="664234"/>
+          </a:xfrm>
+          <a:prstGeom prst="rect">
+            <a:avLst/>
+          </a:prstGeom>
+          <a:solidFill>
+            <a:srgbClr val="29B167"/>
+          </a:solidFill>
+          <a:ln>
+            <a:noFill/>
+          </a:ln>
+        </p:spPr>
+        <p:style>
+          <a:lnRef idx="2">
+            <a:schemeClr val="accent1">
+              <a:shade val="50000"/>
+            </a:schemeClr>
+          </a:lnRef>
+          <a:fillRef idx="1">
+            <a:schemeClr val="accent1"/>
+          </a:fillRef>
+          <a:effectRef idx="0">
+            <a:schemeClr val="accent1"/>
+          </a:effectRef>
+          <a:fontRef idx="minor">
+            <a:schemeClr val="lt1"/>
+          </a:fontRef>
+        </p:style>
+        <p:txBody>
+          <a:bodyPr rtlCol="0" anchor="ctr"/>
+          <a:lstStyle/>
+          <a:p>
+            <a:pPr algn="ctr"/>
+            <a:endParaRPr lang="zh-CN" altLang="en-US"/>
+          </a:p>
+        </p:txBody>
+      </p:sp>
+      <p:sp>
+        <p:nvSpPr>
+          <p:cNvPr id="5" name="文本框 4"/>
+          <p:cNvSpPr txBox="1"/>
+          <p:nvPr/>
+        </p:nvSpPr>
+        <p:spPr>
+          <a:xfrm>
+            <a:off x="465826" y="274839"/>
             <a:ext cx="3165895" cy="630942"/>
           </a:xfrm>
           <a:prstGeom prst="rect">
@@ -4707,6 +5201,8 @@
       </a:bgFillStyleLst>
     </a:fmtScheme>
   </a:themeElements>
+  <a:objectDefaults/>
+  <a:extraClrSchemeLst/>
   <a:extLst>
     <a:ext uri="{05A4C25C-085E-4340-85A3-A5531E510DB2}">
       <thm15:themeFamily xmlns:thm15="http://schemas.microsoft.com/office/thememl/2012/main" name="Office Theme" id="{62F939B6-93AF-4DB8-9C6B-D6C7DFDC589F}" vid="{4A3C46E8-61CC-4603-A589-7422A47A8E4A}"/>

--- a/游戏概要.pptx
+++ b/游戏概要.pptx
@@ -5,15 +5,16 @@
     <p:sldMasterId id="2147483648" r:id="rId1"/>
   </p:sldMasterIdLst>
   <p:sldIdLst>
-    <p:sldId id="256" r:id="rId3"/>
-    <p:sldId id="258" r:id="rId4"/>
+    <p:sldId id="256" r:id="rId2"/>
+    <p:sldId id="258" r:id="rId3"/>
+    <p:sldId id="262" r:id="rId4"/>
     <p:sldId id="259" r:id="rId5"/>
     <p:sldId id="260" r:id="rId6"/>
     <p:sldId id="261" r:id="rId7"/>
-    <p:sldId id="262" r:id="rId8"/>
-    <p:sldId id="263" r:id="rId9"/>
-    <p:sldId id="264" r:id="rId10"/>
-    <p:sldId id="265" r:id="rId11"/>
+    <p:sldId id="263" r:id="rId8"/>
+    <p:sldId id="264" r:id="rId9"/>
+    <p:sldId id="266" r:id="rId10"/>
+    <p:sldId id="267" r:id="rId11"/>
   </p:sldIdLst>
   <p:sldSz cx="12192000" cy="6858000"/>
   <p:notesSz cx="6858000" cy="9144000"/>
@@ -112,6 +113,11 @@
       </a:defRPr>
     </a:lvl9pPr>
   </p:defaultTextStyle>
+  <p:extLst>
+    <p:ext uri="{EFAFB233-063F-42B5-8137-9DF3F51BA10A}">
+      <p15:sldGuideLst xmlns:p15="http://schemas.microsoft.com/office/powerpoint/2012/main"/>
+    </p:ext>
+  </p:extLst>
 </p:presentation>
 </file>
 
@@ -246,6 +252,7 @@
           <a:p>
             <a:fld id="{8E871348-90C1-445B-A767-49BB4C1CA99B}" type="datetimeFigureOut">
               <a:rPr lang="zh-CN" altLang="en-US" smtClean="0"/>
+              <a:t>2017/7/11</a:t>
             </a:fld>
             <a:endParaRPr lang="zh-CN" altLang="en-US"/>
           </a:p>
@@ -287,6 +294,7 @@
           <a:p>
             <a:fld id="{6F55B619-7A01-4F54-9554-2385B2775CF1}" type="slidenum">
               <a:rPr lang="zh-CN" altLang="en-US" smtClean="0"/>
+              <a:t>‹#›</a:t>
             </a:fld>
             <a:endParaRPr lang="zh-CN" altLang="en-US"/>
           </a:p>
@@ -360,7 +368,6 @@
               <a:rPr lang="zh-CN" altLang="en-US" smtClean="0"/>
               <a:t>单击此处编辑母版文本样式</a:t>
             </a:r>
-            <a:endParaRPr lang="zh-CN" altLang="en-US" smtClean="0"/>
           </a:p>
           <a:p>
             <a:pPr lvl="1"/>
@@ -368,7 +375,6 @@
               <a:rPr lang="zh-CN" altLang="en-US" smtClean="0"/>
               <a:t>第二级</a:t>
             </a:r>
-            <a:endParaRPr lang="zh-CN" altLang="en-US" smtClean="0"/>
           </a:p>
           <a:p>
             <a:pPr lvl="2"/>
@@ -376,7 +382,6 @@
               <a:rPr lang="zh-CN" altLang="en-US" smtClean="0"/>
               <a:t>第三级</a:t>
             </a:r>
-            <a:endParaRPr lang="zh-CN" altLang="en-US" smtClean="0"/>
           </a:p>
           <a:p>
             <a:pPr lvl="3"/>
@@ -384,7 +389,6 @@
               <a:rPr lang="zh-CN" altLang="en-US" smtClean="0"/>
               <a:t>第四级</a:t>
             </a:r>
-            <a:endParaRPr lang="zh-CN" altLang="en-US" smtClean="0"/>
           </a:p>
           <a:p>
             <a:pPr lvl="4"/>
@@ -413,6 +417,7 @@
           <a:p>
             <a:fld id="{8E871348-90C1-445B-A767-49BB4C1CA99B}" type="datetimeFigureOut">
               <a:rPr lang="zh-CN" altLang="en-US" smtClean="0"/>
+              <a:t>2017/7/11</a:t>
             </a:fld>
             <a:endParaRPr lang="zh-CN" altLang="en-US"/>
           </a:p>
@@ -454,6 +459,7 @@
           <a:p>
             <a:fld id="{6F55B619-7A01-4F54-9554-2385B2775CF1}" type="slidenum">
               <a:rPr lang="zh-CN" altLang="en-US" smtClean="0"/>
+              <a:t>‹#›</a:t>
             </a:fld>
             <a:endParaRPr lang="zh-CN" altLang="en-US"/>
           </a:p>
@@ -537,7 +543,6 @@
               <a:rPr lang="zh-CN" altLang="en-US" smtClean="0"/>
               <a:t>单击此处编辑母版文本样式</a:t>
             </a:r>
-            <a:endParaRPr lang="zh-CN" altLang="en-US" smtClean="0"/>
           </a:p>
           <a:p>
             <a:pPr lvl="1"/>
@@ -545,7 +550,6 @@
               <a:rPr lang="zh-CN" altLang="en-US" smtClean="0"/>
               <a:t>第二级</a:t>
             </a:r>
-            <a:endParaRPr lang="zh-CN" altLang="en-US" smtClean="0"/>
           </a:p>
           <a:p>
             <a:pPr lvl="2"/>
@@ -553,7 +557,6 @@
               <a:rPr lang="zh-CN" altLang="en-US" smtClean="0"/>
               <a:t>第三级</a:t>
             </a:r>
-            <a:endParaRPr lang="zh-CN" altLang="en-US" smtClean="0"/>
           </a:p>
           <a:p>
             <a:pPr lvl="3"/>
@@ -561,7 +564,6 @@
               <a:rPr lang="zh-CN" altLang="en-US" smtClean="0"/>
               <a:t>第四级</a:t>
             </a:r>
-            <a:endParaRPr lang="zh-CN" altLang="en-US" smtClean="0"/>
           </a:p>
           <a:p>
             <a:pPr lvl="4"/>
@@ -590,6 +592,7 @@
           <a:p>
             <a:fld id="{8E871348-90C1-445B-A767-49BB4C1CA99B}" type="datetimeFigureOut">
               <a:rPr lang="zh-CN" altLang="en-US" smtClean="0"/>
+              <a:t>2017/7/11</a:t>
             </a:fld>
             <a:endParaRPr lang="zh-CN" altLang="en-US"/>
           </a:p>
@@ -631,6 +634,7 @@
           <a:p>
             <a:fld id="{6F55B619-7A01-4F54-9554-2385B2775CF1}" type="slidenum">
               <a:rPr lang="zh-CN" altLang="en-US" smtClean="0"/>
+              <a:t>‹#›</a:t>
             </a:fld>
             <a:endParaRPr lang="zh-CN" altLang="en-US"/>
           </a:p>
@@ -704,7 +708,6 @@
               <a:rPr lang="zh-CN" altLang="en-US" smtClean="0"/>
               <a:t>单击此处编辑母版文本样式</a:t>
             </a:r>
-            <a:endParaRPr lang="zh-CN" altLang="en-US" smtClean="0"/>
           </a:p>
           <a:p>
             <a:pPr lvl="1"/>
@@ -712,7 +715,6 @@
               <a:rPr lang="zh-CN" altLang="en-US" smtClean="0"/>
               <a:t>第二级</a:t>
             </a:r>
-            <a:endParaRPr lang="zh-CN" altLang="en-US" smtClean="0"/>
           </a:p>
           <a:p>
             <a:pPr lvl="2"/>
@@ -720,7 +722,6 @@
               <a:rPr lang="zh-CN" altLang="en-US" smtClean="0"/>
               <a:t>第三级</a:t>
             </a:r>
-            <a:endParaRPr lang="zh-CN" altLang="en-US" smtClean="0"/>
           </a:p>
           <a:p>
             <a:pPr lvl="3"/>
@@ -728,7 +729,6 @@
               <a:rPr lang="zh-CN" altLang="en-US" smtClean="0"/>
               <a:t>第四级</a:t>
             </a:r>
-            <a:endParaRPr lang="zh-CN" altLang="en-US" smtClean="0"/>
           </a:p>
           <a:p>
             <a:pPr lvl="4"/>
@@ -757,6 +757,7 @@
           <a:p>
             <a:fld id="{8E871348-90C1-445B-A767-49BB4C1CA99B}" type="datetimeFigureOut">
               <a:rPr lang="zh-CN" altLang="en-US" smtClean="0"/>
+              <a:t>2017/7/11</a:t>
             </a:fld>
             <a:endParaRPr lang="zh-CN" altLang="en-US"/>
           </a:p>
@@ -798,6 +799,7 @@
           <a:p>
             <a:fld id="{6F55B619-7A01-4F54-9554-2385B2775CF1}" type="slidenum">
               <a:rPr lang="zh-CN" altLang="en-US" smtClean="0"/>
+              <a:t>‹#›</a:t>
             </a:fld>
             <a:endParaRPr lang="zh-CN" altLang="en-US"/>
           </a:p>
@@ -976,7 +978,6 @@
               <a:rPr lang="zh-CN" altLang="en-US" smtClean="0"/>
               <a:t>单击此处编辑母版文本样式</a:t>
             </a:r>
-            <a:endParaRPr lang="zh-CN" altLang="en-US" smtClean="0"/>
           </a:p>
         </p:txBody>
       </p:sp>
@@ -997,6 +998,7 @@
           <a:p>
             <a:fld id="{8E871348-90C1-445B-A767-49BB4C1CA99B}" type="datetimeFigureOut">
               <a:rPr lang="zh-CN" altLang="en-US" smtClean="0"/>
+              <a:t>2017/7/11</a:t>
             </a:fld>
             <a:endParaRPr lang="zh-CN" altLang="en-US"/>
           </a:p>
@@ -1038,6 +1040,7 @@
           <a:p>
             <a:fld id="{6F55B619-7A01-4F54-9554-2385B2775CF1}" type="slidenum">
               <a:rPr lang="zh-CN" altLang="en-US" smtClean="0"/>
+              <a:t>‹#›</a:t>
             </a:fld>
             <a:endParaRPr lang="zh-CN" altLang="en-US"/>
           </a:p>
@@ -1116,7 +1119,6 @@
               <a:rPr lang="zh-CN" altLang="en-US" smtClean="0"/>
               <a:t>单击此处编辑母版文本样式</a:t>
             </a:r>
-            <a:endParaRPr lang="zh-CN" altLang="en-US" smtClean="0"/>
           </a:p>
           <a:p>
             <a:pPr lvl="1"/>
@@ -1124,7 +1126,6 @@
               <a:rPr lang="zh-CN" altLang="en-US" smtClean="0"/>
               <a:t>第二级</a:t>
             </a:r>
-            <a:endParaRPr lang="zh-CN" altLang="en-US" smtClean="0"/>
           </a:p>
           <a:p>
             <a:pPr lvl="2"/>
@@ -1132,7 +1133,6 @@
               <a:rPr lang="zh-CN" altLang="en-US" smtClean="0"/>
               <a:t>第三级</a:t>
             </a:r>
-            <a:endParaRPr lang="zh-CN" altLang="en-US" smtClean="0"/>
           </a:p>
           <a:p>
             <a:pPr lvl="3"/>
@@ -1140,7 +1140,6 @@
               <a:rPr lang="zh-CN" altLang="en-US" smtClean="0"/>
               <a:t>第四级</a:t>
             </a:r>
-            <a:endParaRPr lang="zh-CN" altLang="en-US" smtClean="0"/>
           </a:p>
           <a:p>
             <a:pPr lvl="4"/>
@@ -1177,7 +1176,6 @@
               <a:rPr lang="zh-CN" altLang="en-US" smtClean="0"/>
               <a:t>单击此处编辑母版文本样式</a:t>
             </a:r>
-            <a:endParaRPr lang="zh-CN" altLang="en-US" smtClean="0"/>
           </a:p>
           <a:p>
             <a:pPr lvl="1"/>
@@ -1185,7 +1183,6 @@
               <a:rPr lang="zh-CN" altLang="en-US" smtClean="0"/>
               <a:t>第二级</a:t>
             </a:r>
-            <a:endParaRPr lang="zh-CN" altLang="en-US" smtClean="0"/>
           </a:p>
           <a:p>
             <a:pPr lvl="2"/>
@@ -1193,7 +1190,6 @@
               <a:rPr lang="zh-CN" altLang="en-US" smtClean="0"/>
               <a:t>第三级</a:t>
             </a:r>
-            <a:endParaRPr lang="zh-CN" altLang="en-US" smtClean="0"/>
           </a:p>
           <a:p>
             <a:pPr lvl="3"/>
@@ -1201,7 +1197,6 @@
               <a:rPr lang="zh-CN" altLang="en-US" smtClean="0"/>
               <a:t>第四级</a:t>
             </a:r>
-            <a:endParaRPr lang="zh-CN" altLang="en-US" smtClean="0"/>
           </a:p>
           <a:p>
             <a:pPr lvl="4"/>
@@ -1230,6 +1225,7 @@
           <a:p>
             <a:fld id="{8E871348-90C1-445B-A767-49BB4C1CA99B}" type="datetimeFigureOut">
               <a:rPr lang="zh-CN" altLang="en-US" smtClean="0"/>
+              <a:t>2017/7/11</a:t>
             </a:fld>
             <a:endParaRPr lang="zh-CN" altLang="en-US"/>
           </a:p>
@@ -1271,6 +1267,7 @@
           <a:p>
             <a:fld id="{6F55B619-7A01-4F54-9554-2385B2775CF1}" type="slidenum">
               <a:rPr lang="zh-CN" altLang="en-US" smtClean="0"/>
+              <a:t>‹#›</a:t>
             </a:fld>
             <a:endParaRPr lang="zh-CN" altLang="en-US"/>
           </a:p>
@@ -1391,7 +1388,6 @@
               <a:rPr lang="zh-CN" altLang="en-US" smtClean="0"/>
               <a:t>单击此处编辑母版文本样式</a:t>
             </a:r>
-            <a:endParaRPr lang="zh-CN" altLang="en-US" smtClean="0"/>
           </a:p>
         </p:txBody>
       </p:sp>
@@ -1420,7 +1416,6 @@
               <a:rPr lang="zh-CN" altLang="en-US" smtClean="0"/>
               <a:t>单击此处编辑母版文本样式</a:t>
             </a:r>
-            <a:endParaRPr lang="zh-CN" altLang="en-US" smtClean="0"/>
           </a:p>
           <a:p>
             <a:pPr lvl="1"/>
@@ -1428,7 +1423,6 @@
               <a:rPr lang="zh-CN" altLang="en-US" smtClean="0"/>
               <a:t>第二级</a:t>
             </a:r>
-            <a:endParaRPr lang="zh-CN" altLang="en-US" smtClean="0"/>
           </a:p>
           <a:p>
             <a:pPr lvl="2"/>
@@ -1436,7 +1430,6 @@
               <a:rPr lang="zh-CN" altLang="en-US" smtClean="0"/>
               <a:t>第三级</a:t>
             </a:r>
-            <a:endParaRPr lang="zh-CN" altLang="en-US" smtClean="0"/>
           </a:p>
           <a:p>
             <a:pPr lvl="3"/>
@@ -1444,7 +1437,6 @@
               <a:rPr lang="zh-CN" altLang="en-US" smtClean="0"/>
               <a:t>第四级</a:t>
             </a:r>
-            <a:endParaRPr lang="zh-CN" altLang="en-US" smtClean="0"/>
           </a:p>
           <a:p>
             <a:pPr lvl="4"/>
@@ -1518,7 +1510,6 @@
               <a:rPr lang="zh-CN" altLang="en-US" smtClean="0"/>
               <a:t>单击此处编辑母版文本样式</a:t>
             </a:r>
-            <a:endParaRPr lang="zh-CN" altLang="en-US" smtClean="0"/>
           </a:p>
         </p:txBody>
       </p:sp>
@@ -1547,7 +1538,6 @@
               <a:rPr lang="zh-CN" altLang="en-US" smtClean="0"/>
               <a:t>单击此处编辑母版文本样式</a:t>
             </a:r>
-            <a:endParaRPr lang="zh-CN" altLang="en-US" smtClean="0"/>
           </a:p>
           <a:p>
             <a:pPr lvl="1"/>
@@ -1555,7 +1545,6 @@
               <a:rPr lang="zh-CN" altLang="en-US" smtClean="0"/>
               <a:t>第二级</a:t>
             </a:r>
-            <a:endParaRPr lang="zh-CN" altLang="en-US" smtClean="0"/>
           </a:p>
           <a:p>
             <a:pPr lvl="2"/>
@@ -1563,7 +1552,6 @@
               <a:rPr lang="zh-CN" altLang="en-US" smtClean="0"/>
               <a:t>第三级</a:t>
             </a:r>
-            <a:endParaRPr lang="zh-CN" altLang="en-US" smtClean="0"/>
           </a:p>
           <a:p>
             <a:pPr lvl="3"/>
@@ -1571,7 +1559,6 @@
               <a:rPr lang="zh-CN" altLang="en-US" smtClean="0"/>
               <a:t>第四级</a:t>
             </a:r>
-            <a:endParaRPr lang="zh-CN" altLang="en-US" smtClean="0"/>
           </a:p>
           <a:p>
             <a:pPr lvl="4"/>
@@ -1600,6 +1587,7 @@
           <a:p>
             <a:fld id="{8E871348-90C1-445B-A767-49BB4C1CA99B}" type="datetimeFigureOut">
               <a:rPr lang="zh-CN" altLang="en-US" smtClean="0"/>
+              <a:t>2017/7/11</a:t>
             </a:fld>
             <a:endParaRPr lang="zh-CN" altLang="en-US"/>
           </a:p>
@@ -1641,6 +1629,7 @@
           <a:p>
             <a:fld id="{6F55B619-7A01-4F54-9554-2385B2775CF1}" type="slidenum">
               <a:rPr lang="zh-CN" altLang="en-US" smtClean="0"/>
+              <a:t>‹#›</a:t>
             </a:fld>
             <a:endParaRPr lang="zh-CN" altLang="en-US"/>
           </a:p>
@@ -1711,6 +1700,7 @@
           <a:p>
             <a:fld id="{8E871348-90C1-445B-A767-49BB4C1CA99B}" type="datetimeFigureOut">
               <a:rPr lang="zh-CN" altLang="en-US" smtClean="0"/>
+              <a:t>2017/7/11</a:t>
             </a:fld>
             <a:endParaRPr lang="zh-CN" altLang="en-US"/>
           </a:p>
@@ -1752,6 +1742,7 @@
           <a:p>
             <a:fld id="{6F55B619-7A01-4F54-9554-2385B2775CF1}" type="slidenum">
               <a:rPr lang="zh-CN" altLang="en-US" smtClean="0"/>
+              <a:t>‹#›</a:t>
             </a:fld>
             <a:endParaRPr lang="zh-CN" altLang="en-US"/>
           </a:p>
@@ -1799,6 +1790,7 @@
           <a:p>
             <a:fld id="{8E871348-90C1-445B-A767-49BB4C1CA99B}" type="datetimeFigureOut">
               <a:rPr lang="zh-CN" altLang="en-US" smtClean="0"/>
+              <a:t>2017/7/11</a:t>
             </a:fld>
             <a:endParaRPr lang="zh-CN" altLang="en-US"/>
           </a:p>
@@ -1840,6 +1832,7 @@
           <a:p>
             <a:fld id="{6F55B619-7A01-4F54-9554-2385B2775CF1}" type="slidenum">
               <a:rPr lang="zh-CN" altLang="en-US" smtClean="0"/>
+              <a:t>‹#›</a:t>
             </a:fld>
             <a:endParaRPr lang="zh-CN" altLang="en-US"/>
           </a:p>
@@ -1955,7 +1948,6 @@
               <a:rPr lang="zh-CN" altLang="en-US" smtClean="0"/>
               <a:t>单击此处编辑母版文本样式</a:t>
             </a:r>
-            <a:endParaRPr lang="zh-CN" altLang="en-US" smtClean="0"/>
           </a:p>
           <a:p>
             <a:pPr lvl="1"/>
@@ -1963,7 +1955,6 @@
               <a:rPr lang="zh-CN" altLang="en-US" smtClean="0"/>
               <a:t>第二级</a:t>
             </a:r>
-            <a:endParaRPr lang="zh-CN" altLang="en-US" smtClean="0"/>
           </a:p>
           <a:p>
             <a:pPr lvl="2"/>
@@ -1971,7 +1962,6 @@
               <a:rPr lang="zh-CN" altLang="en-US" smtClean="0"/>
               <a:t>第三级</a:t>
             </a:r>
-            <a:endParaRPr lang="zh-CN" altLang="en-US" smtClean="0"/>
           </a:p>
           <a:p>
             <a:pPr lvl="3"/>
@@ -1979,7 +1969,6 @@
               <a:rPr lang="zh-CN" altLang="en-US" smtClean="0"/>
               <a:t>第四级</a:t>
             </a:r>
-            <a:endParaRPr lang="zh-CN" altLang="en-US" smtClean="0"/>
           </a:p>
           <a:p>
             <a:pPr lvl="4"/>
@@ -2053,7 +2042,6 @@
               <a:rPr lang="zh-CN" altLang="en-US" smtClean="0"/>
               <a:t>单击此处编辑母版文本样式</a:t>
             </a:r>
-            <a:endParaRPr lang="zh-CN" altLang="en-US" smtClean="0"/>
           </a:p>
         </p:txBody>
       </p:sp>
@@ -2074,6 +2062,7 @@
           <a:p>
             <a:fld id="{8E871348-90C1-445B-A767-49BB4C1CA99B}" type="datetimeFigureOut">
               <a:rPr lang="zh-CN" altLang="en-US" smtClean="0"/>
+              <a:t>2017/7/11</a:t>
             </a:fld>
             <a:endParaRPr lang="zh-CN" altLang="en-US"/>
           </a:p>
@@ -2115,6 +2104,7 @@
           <a:p>
             <a:fld id="{6F55B619-7A01-4F54-9554-2385B2775CF1}" type="slidenum">
               <a:rPr lang="zh-CN" altLang="en-US" smtClean="0"/>
+              <a:t>‹#›</a:t>
             </a:fld>
             <a:endParaRPr lang="zh-CN" altLang="en-US"/>
           </a:p>
@@ -2300,7 +2290,6 @@
               <a:rPr lang="zh-CN" altLang="en-US" smtClean="0"/>
               <a:t>单击此处编辑母版文本样式</a:t>
             </a:r>
-            <a:endParaRPr lang="zh-CN" altLang="en-US" smtClean="0"/>
           </a:p>
         </p:txBody>
       </p:sp>
@@ -2321,6 +2310,7 @@
           <a:p>
             <a:fld id="{8E871348-90C1-445B-A767-49BB4C1CA99B}" type="datetimeFigureOut">
               <a:rPr lang="zh-CN" altLang="en-US" smtClean="0"/>
+              <a:t>2017/7/11</a:t>
             </a:fld>
             <a:endParaRPr lang="zh-CN" altLang="en-US"/>
           </a:p>
@@ -2362,6 +2352,7 @@
           <a:p>
             <a:fld id="{6F55B619-7A01-4F54-9554-2385B2775CF1}" type="slidenum">
               <a:rPr lang="zh-CN" altLang="en-US" smtClean="0"/>
+              <a:t>‹#›</a:t>
             </a:fld>
             <a:endParaRPr lang="zh-CN" altLang="en-US"/>
           </a:p>
@@ -2460,7 +2451,6 @@
               <a:rPr lang="zh-CN" altLang="en-US" smtClean="0"/>
               <a:t>单击此处编辑母版文本样式</a:t>
             </a:r>
-            <a:endParaRPr lang="zh-CN" altLang="en-US" smtClean="0"/>
           </a:p>
           <a:p>
             <a:pPr lvl="1"/>
@@ -2468,7 +2458,6 @@
               <a:rPr lang="zh-CN" altLang="en-US" smtClean="0"/>
               <a:t>第二级</a:t>
             </a:r>
-            <a:endParaRPr lang="zh-CN" altLang="en-US" smtClean="0"/>
           </a:p>
           <a:p>
             <a:pPr lvl="2"/>
@@ -2476,7 +2465,6 @@
               <a:rPr lang="zh-CN" altLang="en-US" smtClean="0"/>
               <a:t>第三级</a:t>
             </a:r>
-            <a:endParaRPr lang="zh-CN" altLang="en-US" smtClean="0"/>
           </a:p>
           <a:p>
             <a:pPr lvl="3"/>
@@ -2484,7 +2472,6 @@
               <a:rPr lang="zh-CN" altLang="en-US" smtClean="0"/>
               <a:t>第四级</a:t>
             </a:r>
-            <a:endParaRPr lang="zh-CN" altLang="en-US" smtClean="0"/>
           </a:p>
           <a:p>
             <a:pPr lvl="4"/>
@@ -2531,6 +2518,7 @@
           <a:p>
             <a:fld id="{8E871348-90C1-445B-A767-49BB4C1CA99B}" type="datetimeFigureOut">
               <a:rPr lang="zh-CN" altLang="en-US" smtClean="0"/>
+              <a:t>2017/7/11</a:t>
             </a:fld>
             <a:endParaRPr lang="zh-CN" altLang="en-US"/>
           </a:p>
@@ -2608,6 +2596,7 @@
           <a:p>
             <a:fld id="{6F55B619-7A01-4F54-9554-2385B2775CF1}" type="slidenum">
               <a:rPr lang="zh-CN" altLang="en-US" smtClean="0"/>
+              <a:t>‹#›</a:t>
             </a:fld>
             <a:endParaRPr lang="zh-CN" altLang="en-US"/>
           </a:p>
@@ -3030,6 +3019,180 @@
 </p:sld>
 </file>
 
+<file path=ppt/slides/slide10.xml><?xml version="1.0" encoding="utf-8"?>
+<p:sld xmlns:a="http://schemas.openxmlformats.org/drawingml/2006/main" xmlns:r="http://schemas.openxmlformats.org/officeDocument/2006/relationships" xmlns:p="http://schemas.openxmlformats.org/presentationml/2006/main">
+  <p:cSld>
+    <p:spTree>
+      <p:nvGrpSpPr>
+        <p:cNvPr id="1" name=""/>
+        <p:cNvGrpSpPr/>
+        <p:nvPr/>
+      </p:nvGrpSpPr>
+      <p:grpSpPr>
+        <a:xfrm>
+          <a:off x="0" y="0"/>
+          <a:ext cx="0" cy="0"/>
+          <a:chOff x="0" y="0"/>
+          <a:chExt cx="0" cy="0"/>
+        </a:xfrm>
+      </p:grpSpPr>
+      <p:sp>
+        <p:nvSpPr>
+          <p:cNvPr id="4" name="矩形 3"/>
+          <p:cNvSpPr/>
+          <p:nvPr/>
+        </p:nvSpPr>
+        <p:spPr>
+          <a:xfrm>
+            <a:off x="0" y="241547"/>
+            <a:ext cx="12192000" cy="664234"/>
+          </a:xfrm>
+          <a:prstGeom prst="rect">
+            <a:avLst/>
+          </a:prstGeom>
+          <a:solidFill>
+            <a:srgbClr val="29B167"/>
+          </a:solidFill>
+          <a:ln>
+            <a:noFill/>
+          </a:ln>
+        </p:spPr>
+        <p:style>
+          <a:lnRef idx="2">
+            <a:schemeClr val="accent1">
+              <a:shade val="50000"/>
+            </a:schemeClr>
+          </a:lnRef>
+          <a:fillRef idx="1">
+            <a:schemeClr val="accent1"/>
+          </a:fillRef>
+          <a:effectRef idx="0">
+            <a:schemeClr val="accent1"/>
+          </a:effectRef>
+          <a:fontRef idx="minor">
+            <a:schemeClr val="lt1"/>
+          </a:fontRef>
+        </p:style>
+        <p:txBody>
+          <a:bodyPr rtlCol="0" anchor="ctr"/>
+          <a:lstStyle/>
+          <a:p>
+            <a:pPr algn="ctr"/>
+            <a:endParaRPr lang="zh-CN" altLang="en-US"/>
+          </a:p>
+        </p:txBody>
+      </p:sp>
+      <p:sp>
+        <p:nvSpPr>
+          <p:cNvPr id="5" name="文本框 4"/>
+          <p:cNvSpPr txBox="1"/>
+          <p:nvPr/>
+        </p:nvSpPr>
+        <p:spPr>
+          <a:xfrm>
+            <a:off x="465826" y="274839"/>
+            <a:ext cx="3165895" cy="629920"/>
+          </a:xfrm>
+          <a:prstGeom prst="rect">
+            <a:avLst/>
+          </a:prstGeom>
+          <a:noFill/>
+        </p:spPr>
+        <p:txBody>
+          <a:bodyPr wrap="square" rtlCol="0">
+            <a:spAutoFit/>
+          </a:bodyPr>
+          <a:lstStyle/>
+          <a:p>
+            <a:r>
+              <a:rPr lang="zh-CN" altLang="en-US" sz="3500" dirty="0" smtClean="0">
+                <a:solidFill>
+                  <a:schemeClr val="bg1"/>
+                </a:solidFill>
+              </a:rPr>
+              <a:t>主角</a:t>
+            </a:r>
+            <a:endParaRPr lang="zh-CN" altLang="en-US" sz="3500" dirty="0">
+              <a:solidFill>
+                <a:schemeClr val="bg1"/>
+              </a:solidFill>
+            </a:endParaRPr>
+          </a:p>
+        </p:txBody>
+      </p:sp>
+      <p:sp>
+        <p:nvSpPr>
+          <p:cNvPr id="2" name="TextBox 1"/>
+          <p:cNvSpPr txBox="1"/>
+          <p:nvPr/>
+        </p:nvSpPr>
+        <p:spPr>
+          <a:xfrm>
+            <a:off x="660903" y="1149790"/>
+            <a:ext cx="2562131" cy="369332"/>
+          </a:xfrm>
+          <a:prstGeom prst="rect">
+            <a:avLst/>
+          </a:prstGeom>
+          <a:noFill/>
+        </p:spPr>
+        <p:txBody>
+          <a:bodyPr wrap="square" rtlCol="0">
+            <a:spAutoFit/>
+          </a:bodyPr>
+          <a:lstStyle/>
+          <a:p>
+            <a:r>
+              <a:rPr lang="zh-CN" altLang="en-US" dirty="0" smtClean="0"/>
+              <a:t>主角身份</a:t>
+            </a:r>
+            <a:endParaRPr lang="zh-CN" altLang="en-US" dirty="0"/>
+          </a:p>
+        </p:txBody>
+      </p:sp>
+      <p:sp>
+        <p:nvSpPr>
+          <p:cNvPr id="7" name="TextBox 6"/>
+          <p:cNvSpPr txBox="1"/>
+          <p:nvPr/>
+        </p:nvSpPr>
+        <p:spPr>
+          <a:xfrm>
+            <a:off x="660903" y="1578465"/>
+            <a:ext cx="2562131" cy="369332"/>
+          </a:xfrm>
+          <a:prstGeom prst="rect">
+            <a:avLst/>
+          </a:prstGeom>
+          <a:noFill/>
+        </p:spPr>
+        <p:txBody>
+          <a:bodyPr wrap="square" rtlCol="0">
+            <a:spAutoFit/>
+          </a:bodyPr>
+          <a:lstStyle/>
+          <a:p>
+            <a:r>
+              <a:rPr lang="zh-CN" altLang="en-US" dirty="0" smtClean="0"/>
+              <a:t>主角对故事的切入点</a:t>
+            </a:r>
+            <a:endParaRPr lang="zh-CN" altLang="en-US" dirty="0"/>
+          </a:p>
+        </p:txBody>
+      </p:sp>
+    </p:spTree>
+    <p:extLst>
+      <p:ext uri="{BB962C8B-B14F-4D97-AF65-F5344CB8AC3E}">
+        <p14:creationId xmlns:p14="http://schemas.microsoft.com/office/powerpoint/2010/main" val="1357611441"/>
+      </p:ext>
+    </p:extLst>
+  </p:cSld>
+  <p:clrMapOvr>
+    <a:masterClrMapping/>
+  </p:clrMapOvr>
+</p:sld>
+</file>
+
 <file path=ppt/slides/slide2.xml><?xml version="1.0" encoding="utf-8"?>
 <p:sld xmlns:a="http://schemas.openxmlformats.org/drawingml/2006/main" xmlns:r="http://schemas.openxmlformats.org/officeDocument/2006/relationships" xmlns:p="http://schemas.openxmlformats.org/presentationml/2006/main">
   <p:cSld>
@@ -3439,11 +3602,6 @@
               </a:rPr>
               <a:t>《幼儿园》</a:t>
             </a:r>
-            <a:endParaRPr lang="zh-CN" altLang="en-US" sz="1900" b="1" dirty="0" smtClean="0">
-              <a:solidFill>
-                <a:srgbClr val="29B167"/>
-              </a:solidFill>
-            </a:endParaRPr>
           </a:p>
         </p:txBody>
       </p:sp>
@@ -3534,7 +3692,7 @@
         <p:spPr>
           <a:xfrm>
             <a:off x="465826" y="274839"/>
-            <a:ext cx="3165895" cy="630942"/>
+            <a:ext cx="3165895" cy="629920"/>
           </a:xfrm>
           <a:prstGeom prst="rect">
             <a:avLst/>
@@ -3548,18 +3706,13 @@
           <a:lstStyle/>
           <a:p>
             <a:r>
-              <a:rPr lang="zh-CN" altLang="en-US" sz="3500" dirty="0" smtClean="0">
+              <a:rPr lang="zh-CN" altLang="en-US" sz="3500" dirty="0">
                 <a:solidFill>
                   <a:schemeClr val="bg1"/>
                 </a:solidFill>
               </a:rPr>
-              <a:t>核心玩法</a:t>
-            </a:r>
-            <a:endParaRPr lang="zh-CN" altLang="en-US" sz="3500" dirty="0">
-              <a:solidFill>
-                <a:schemeClr val="bg1"/>
-              </a:solidFill>
-            </a:endParaRPr>
+              <a:t>对比</a:t>
+            </a:r>
           </a:p>
         </p:txBody>
       </p:sp>
@@ -3571,8 +3724,8 @@
         </p:nvSpPr>
         <p:spPr>
           <a:xfrm>
-            <a:off x="569342" y="1285336"/>
-            <a:ext cx="1829613" cy="384721"/>
+            <a:off x="569341" y="1285336"/>
+            <a:ext cx="4364797" cy="384721"/>
           </a:xfrm>
           <a:prstGeom prst="rect">
             <a:avLst/>
@@ -3591,7 +3744,79 @@
                   <a:srgbClr val="29B167"/>
                 </a:solidFill>
               </a:rPr>
-              <a:t>核心玩法概要</a:t>
+              <a:t>与</a:t>
+            </a:r>
+            <a:r>
+              <a:rPr lang="en-US" altLang="zh-CN" sz="1900" b="1" dirty="0" smtClean="0">
+                <a:solidFill>
+                  <a:srgbClr val="29B167"/>
+                </a:solidFill>
+              </a:rPr>
+              <a:t>《</a:t>
+            </a:r>
+            <a:r>
+              <a:rPr lang="zh-CN" altLang="en-US" sz="1900" b="1" dirty="0" smtClean="0">
+                <a:solidFill>
+                  <a:srgbClr val="29B167"/>
+                </a:solidFill>
+              </a:rPr>
+              <a:t>逃脱者</a:t>
+            </a:r>
+            <a:r>
+              <a:rPr lang="en-US" altLang="zh-CN" sz="1900" b="1" dirty="0" smtClean="0">
+                <a:solidFill>
+                  <a:srgbClr val="29B167"/>
+                </a:solidFill>
+              </a:rPr>
+              <a:t>》</a:t>
+            </a:r>
+            <a:r>
+              <a:rPr lang="zh-CN" altLang="en-US" sz="1900" b="1" dirty="0" smtClean="0">
+                <a:solidFill>
+                  <a:srgbClr val="29B167"/>
+                </a:solidFill>
+              </a:rPr>
+              <a:t>、</a:t>
+            </a:r>
+            <a:r>
+              <a:rPr lang="en-US" altLang="zh-CN" sz="1900" b="1" dirty="0" smtClean="0">
+                <a:solidFill>
+                  <a:srgbClr val="29B167"/>
+                </a:solidFill>
+              </a:rPr>
+              <a:t>《</a:t>
+            </a:r>
+            <a:r>
+              <a:rPr lang="zh-CN" altLang="en-US" sz="1900" b="1" dirty="0" smtClean="0">
+                <a:solidFill>
+                  <a:srgbClr val="29B167"/>
+                </a:solidFill>
+              </a:rPr>
+              <a:t>幼儿园</a:t>
+            </a:r>
+            <a:r>
+              <a:rPr lang="en-US" altLang="zh-CN" sz="1900" b="1" dirty="0" smtClean="0">
+                <a:solidFill>
+                  <a:srgbClr val="29B167"/>
+                </a:solidFill>
+              </a:rPr>
+              <a:t>》</a:t>
+            </a:r>
+            <a:r>
+              <a:rPr lang="zh-CN" altLang="en-US" sz="1900" b="1" dirty="0">
+                <a:solidFill>
+                  <a:srgbClr val="29B167"/>
+                </a:solidFill>
+              </a:rPr>
+              <a:t>游</a:t>
+            </a:r>
+            <a:r>
+              <a:rPr lang="zh-CN" altLang="en-US" sz="1900" b="1" dirty="0" smtClean="0">
+                <a:solidFill>
+                  <a:srgbClr val="29B167"/>
+                </a:solidFill>
+              </a:rPr>
+              <a:t>戏对比</a:t>
             </a:r>
             <a:endParaRPr lang="zh-CN" altLang="en-US" sz="1900" b="1" dirty="0">
               <a:solidFill>
@@ -3631,102 +3856,6 @@
           </a:fontRef>
         </p:style>
       </p:cxnSp>
-      <p:sp>
-        <p:nvSpPr>
-          <p:cNvPr id="2" name="文本框 1"/>
-          <p:cNvSpPr txBox="1"/>
-          <p:nvPr/>
-        </p:nvSpPr>
-        <p:spPr>
-          <a:xfrm>
-            <a:off x="569595" y="1859915"/>
-            <a:ext cx="9493885" cy="645160"/>
-          </a:xfrm>
-          <a:prstGeom prst="rect">
-            <a:avLst/>
-          </a:prstGeom>
-          <a:noFill/>
-        </p:spPr>
-        <p:txBody>
-          <a:bodyPr wrap="square" rtlCol="0">
-            <a:spAutoFit/>
-          </a:bodyPr>
-          <a:lstStyle/>
-          <a:p>
-            <a:r>
-              <a:rPr lang="zh-CN" altLang="en-US" dirty="0"/>
-              <a:t>剧情：玩家被骗到传销组织，想尽一切办法在不被洗脑的情况下逃出去。随着玩家对</a:t>
-            </a:r>
-            <a:r>
-              <a:rPr lang="en-US" altLang="zh-CN" dirty="0"/>
-              <a:t>NPC</a:t>
-            </a:r>
-            <a:r>
-              <a:rPr lang="zh-CN" altLang="en-US" dirty="0"/>
-              <a:t>了解逐渐加深，发现这个传销组织并没有想象中的那么简单。</a:t>
-            </a:r>
-            <a:endParaRPr lang="zh-CN" altLang="en-US" dirty="0"/>
-          </a:p>
-        </p:txBody>
-      </p:sp>
-      <p:sp>
-        <p:nvSpPr>
-          <p:cNvPr id="3" name="文本框 2"/>
-          <p:cNvSpPr txBox="1"/>
-          <p:nvPr/>
-        </p:nvSpPr>
-        <p:spPr>
-          <a:xfrm>
-            <a:off x="569595" y="2626995"/>
-            <a:ext cx="10251440" cy="368300"/>
-          </a:xfrm>
-          <a:prstGeom prst="rect">
-            <a:avLst/>
-          </a:prstGeom>
-          <a:noFill/>
-        </p:spPr>
-        <p:txBody>
-          <a:bodyPr wrap="square" rtlCol="0">
-            <a:spAutoFit/>
-          </a:bodyPr>
-          <a:p>
-            <a:r>
-              <a:rPr lang="zh-CN" altLang="en-US"/>
-              <a:t>循环：每天固定时间做着重复的事情，但是玩家每天都需要上交一定的钱，否则会被打（降低生命）。</a:t>
-            </a:r>
-            <a:endParaRPr lang="zh-CN" altLang="en-US"/>
-          </a:p>
-        </p:txBody>
-      </p:sp>
-      <p:sp>
-        <p:nvSpPr>
-          <p:cNvPr id="7" name="文本框 6"/>
-          <p:cNvSpPr txBox="1"/>
-          <p:nvPr/>
-        </p:nvSpPr>
-        <p:spPr>
-          <a:xfrm>
-            <a:off x="569595" y="3244850"/>
-            <a:ext cx="10251440" cy="368300"/>
-          </a:xfrm>
-          <a:prstGeom prst="rect">
-            <a:avLst/>
-          </a:prstGeom>
-          <a:noFill/>
-        </p:spPr>
-        <p:txBody>
-          <a:bodyPr wrap="square" rtlCol="0">
-            <a:spAutoFit/>
-          </a:bodyPr>
-          <a:p>
-            <a:r>
-              <a:rPr lang="zh-CN" altLang="en-US"/>
-              <a:t>深度：游戏有深度的地方在于剧情，玩家需要不断接受任务，探索剧情。</a:t>
-            </a:r>
-            <a:endParaRPr lang="zh-CN" altLang="en-US"/>
-          </a:p>
-        </p:txBody>
-      </p:sp>
     </p:spTree>
   </p:cSld>
   <p:clrMapOvr>
@@ -3807,7 +3936,7 @@
         <p:spPr>
           <a:xfrm>
             <a:off x="465826" y="274839"/>
-            <a:ext cx="3165895" cy="629920"/>
+            <a:ext cx="3165895" cy="630942"/>
           </a:xfrm>
           <a:prstGeom prst="rect">
             <a:avLst/>
@@ -3821,54 +3950,16 @@
           <a:lstStyle/>
           <a:p>
             <a:r>
-              <a:rPr lang="zh-CN" altLang="en-US" sz="3500" dirty="0">
+              <a:rPr lang="zh-CN" altLang="en-US" sz="3500" dirty="0" smtClean="0">
                 <a:solidFill>
                   <a:schemeClr val="bg1"/>
                 </a:solidFill>
               </a:rPr>
-              <a:t>系统</a:t>
+              <a:t>核心玩法</a:t>
             </a:r>
             <a:endParaRPr lang="zh-CN" altLang="en-US" sz="3500" dirty="0">
               <a:solidFill>
                 <a:schemeClr val="bg1"/>
-              </a:solidFill>
-            </a:endParaRPr>
-          </a:p>
-        </p:txBody>
-      </p:sp>
-      <p:sp>
-        <p:nvSpPr>
-          <p:cNvPr id="6" name="文本框 5"/>
-          <p:cNvSpPr txBox="1"/>
-          <p:nvPr/>
-        </p:nvSpPr>
-        <p:spPr>
-          <a:xfrm>
-            <a:off x="569595" y="1285240"/>
-            <a:ext cx="7168515" cy="383540"/>
-          </a:xfrm>
-          <a:prstGeom prst="rect">
-            <a:avLst/>
-          </a:prstGeom>
-          <a:noFill/>
-        </p:spPr>
-        <p:txBody>
-          <a:bodyPr wrap="square" rtlCol="0">
-            <a:spAutoFit/>
-          </a:bodyPr>
-          <a:lstStyle/>
-          <a:p>
-            <a:r>
-              <a:rPr lang="zh-CN" altLang="en-US" sz="1900" b="1" dirty="0" smtClean="0">
-                <a:solidFill>
-                  <a:srgbClr val="29B167"/>
-                </a:solidFill>
-              </a:rPr>
-              <a:t>具体系统可查看脑图 </a:t>
-            </a:r>
-            <a:endParaRPr lang="zh-CN" altLang="en-US" sz="1900" b="1" dirty="0">
-              <a:solidFill>
-                <a:srgbClr val="29B167"/>
               </a:solidFill>
             </a:endParaRPr>
           </a:p>
@@ -3973,13 +4064,8 @@
                   <a:schemeClr val="bg1"/>
                 </a:solidFill>
               </a:rPr>
-              <a:t>思考</a:t>
-            </a:r>
-            <a:endParaRPr lang="zh-CN" altLang="en-US" sz="3500" dirty="0">
-              <a:solidFill>
-                <a:schemeClr val="bg1"/>
-              </a:solidFill>
-            </a:endParaRPr>
+              <a:t>系统</a:t>
+            </a:r>
           </a:p>
         </p:txBody>
       </p:sp>
@@ -3991,8 +4077,8 @@
         </p:nvSpPr>
         <p:spPr>
           <a:xfrm>
-            <a:off x="569342" y="1285336"/>
-            <a:ext cx="1216325" cy="383540"/>
+            <a:off x="569595" y="1285240"/>
+            <a:ext cx="7168515" cy="383540"/>
           </a:xfrm>
           <a:prstGeom prst="rect">
             <a:avLst/>
@@ -4011,80 +4097,13 @@
                   <a:srgbClr val="29B167"/>
                 </a:solidFill>
               </a:rPr>
-              <a:t>关卡  </a:t>
+              <a:t>具体系统可查看脑图 </a:t>
             </a:r>
             <a:endParaRPr lang="zh-CN" altLang="en-US" sz="1900" b="1" dirty="0">
               <a:solidFill>
                 <a:srgbClr val="29B167"/>
               </a:solidFill>
             </a:endParaRPr>
-          </a:p>
-        </p:txBody>
-      </p:sp>
-      <p:cxnSp>
-        <p:nvCxnSpPr>
-          <p:cNvPr id="8" name="直接连接符 7"/>
-          <p:cNvCxnSpPr/>
-          <p:nvPr/>
-        </p:nvCxnSpPr>
-        <p:spPr>
-          <a:xfrm>
-            <a:off x="690113" y="1654668"/>
-            <a:ext cx="3502325" cy="0"/>
-          </a:xfrm>
-          <a:prstGeom prst="line">
-            <a:avLst/>
-          </a:prstGeom>
-        </p:spPr>
-        <p:style>
-          <a:lnRef idx="3">
-            <a:schemeClr val="accent6"/>
-          </a:lnRef>
-          <a:fillRef idx="0">
-            <a:schemeClr val="accent6"/>
-          </a:fillRef>
-          <a:effectRef idx="2">
-            <a:schemeClr val="accent6"/>
-          </a:effectRef>
-          <a:fontRef idx="minor">
-            <a:schemeClr val="tx1"/>
-          </a:fontRef>
-        </p:style>
-      </p:cxnSp>
-      <p:sp>
-        <p:nvSpPr>
-          <p:cNvPr id="2" name="文本框 1"/>
-          <p:cNvSpPr txBox="1"/>
-          <p:nvPr/>
-        </p:nvSpPr>
-        <p:spPr>
-          <a:xfrm>
-            <a:off x="574040" y="1891665"/>
-            <a:ext cx="2950845" cy="368300"/>
-          </a:xfrm>
-          <a:prstGeom prst="rect">
-            <a:avLst/>
-          </a:prstGeom>
-          <a:noFill/>
-        </p:spPr>
-        <p:txBody>
-          <a:bodyPr wrap="square" rtlCol="0">
-            <a:spAutoFit/>
-          </a:bodyPr>
-          <a:p>
-            <a:r>
-              <a:rPr lang="zh-CN" altLang="en-US"/>
-              <a:t>制作多个地图</a:t>
-            </a:r>
-            <a:r>
-              <a:rPr lang="en-US" altLang="zh-CN"/>
-              <a:t>or</a:t>
-            </a:r>
-            <a:r>
-              <a:rPr lang="zh-CN" altLang="en-US"/>
-              <a:t>一个地图？</a:t>
-            </a:r>
-            <a:endParaRPr lang="zh-CN" altLang="en-US"/>
           </a:p>
         </p:txBody>
       </p:sp>
@@ -4182,12 +4201,12 @@
           <a:lstStyle/>
           <a:p>
             <a:r>
-              <a:rPr lang="zh-CN" altLang="en-US" sz="3500" dirty="0">
+              <a:rPr lang="zh-CN" altLang="en-US" sz="3500" dirty="0" smtClean="0">
                 <a:solidFill>
                   <a:schemeClr val="bg1"/>
                 </a:solidFill>
               </a:rPr>
-              <a:t>对比</a:t>
+              <a:t>地图</a:t>
             </a:r>
             <a:endParaRPr lang="zh-CN" altLang="en-US" sz="3500" dirty="0">
               <a:solidFill>
@@ -4206,7 +4225,7 @@
         <p:spPr>
           <a:xfrm>
             <a:off x="569342" y="1285336"/>
-            <a:ext cx="1216325" cy="384721"/>
+            <a:ext cx="1216325" cy="383540"/>
           </a:xfrm>
           <a:prstGeom prst="rect">
             <a:avLst/>
@@ -4225,7 +4244,7 @@
                   <a:srgbClr val="29B167"/>
                 </a:solidFill>
               </a:rPr>
-              <a:t>后台说明  </a:t>
+              <a:t>关卡  </a:t>
             </a:r>
             <a:endParaRPr lang="zh-CN" altLang="en-US" sz="1900" b="1" dirty="0">
               <a:solidFill>
@@ -4265,6 +4284,36 @@
           </a:fontRef>
         </p:style>
       </p:cxnSp>
+      <p:sp>
+        <p:nvSpPr>
+          <p:cNvPr id="2" name="文本框 1"/>
+          <p:cNvSpPr txBox="1"/>
+          <p:nvPr/>
+        </p:nvSpPr>
+        <p:spPr>
+          <a:xfrm>
+            <a:off x="569342" y="1839335"/>
+            <a:ext cx="5754332" cy="369332"/>
+          </a:xfrm>
+          <a:prstGeom prst="rect">
+            <a:avLst/>
+          </a:prstGeom>
+          <a:noFill/>
+        </p:spPr>
+        <p:txBody>
+          <a:bodyPr wrap="square" rtlCol="0">
+            <a:spAutoFit/>
+          </a:bodyPr>
+          <a:lstStyle/>
+          <a:p>
+            <a:r>
+              <a:rPr lang="zh-CN" altLang="en-US" dirty="0" smtClean="0"/>
+              <a:t>制作一张地图，可以不断扩展地图区域</a:t>
+            </a:r>
+            <a:endParaRPr lang="zh-CN" altLang="en-US" dirty="0"/>
+          </a:p>
+        </p:txBody>
+      </p:sp>
     </p:spTree>
   </p:cSld>
   <p:clrMapOvr>
@@ -4366,11 +4415,6 @@
               </a:rPr>
               <a:t>任务</a:t>
             </a:r>
-            <a:endParaRPr lang="zh-CN" altLang="en-US" sz="3500" dirty="0">
-              <a:solidFill>
-                <a:schemeClr val="bg1"/>
-              </a:solidFill>
-            </a:endParaRPr>
           </a:p>
         </p:txBody>
       </p:sp>
@@ -4450,8 +4494,8 @@
         </p:nvSpPr>
         <p:spPr>
           <a:xfrm>
-            <a:off x="690245" y="2054225"/>
-            <a:ext cx="2540000" cy="2288540"/>
+            <a:off x="569342" y="2024001"/>
+            <a:ext cx="5429898" cy="2031325"/>
           </a:xfrm>
           <a:prstGeom prst="rect">
             <a:avLst/>
@@ -4462,113 +4506,112 @@
           <a:bodyPr wrap="square" rtlCol="0" anchor="t">
             <a:spAutoFit/>
           </a:bodyPr>
+          <a:lstStyle/>
           <a:p>
             <a:pPr marL="0" indent="0">
               <a:buNone/>
             </a:pPr>
             <a:r>
-              <a:rPr lang="en-US" altLang="zh-CN">
+              <a:rPr lang="en-US" altLang="zh-CN" dirty="0">
                 <a:sym typeface="+mn-ea"/>
               </a:rPr>
               <a:t>1.</a:t>
             </a:r>
             <a:r>
-              <a:rPr lang="zh-CN" altLang="en-US">
+              <a:rPr lang="zh-CN" altLang="en-US" dirty="0">
                 <a:sym typeface="+mn-ea"/>
               </a:rPr>
               <a:t>存在的意义</a:t>
             </a:r>
-            <a:endParaRPr lang="zh-CN" altLang="en-US"/>
+            <a:endParaRPr lang="zh-CN" altLang="en-US" dirty="0"/>
           </a:p>
           <a:p>
             <a:pPr marL="0" indent="0">
               <a:buNone/>
             </a:pPr>
             <a:r>
-              <a:rPr lang="en-US" altLang="zh-CN">
+              <a:rPr lang="en-US" altLang="zh-CN" dirty="0">
                 <a:sym typeface="+mn-ea"/>
               </a:rPr>
               <a:t>2.</a:t>
             </a:r>
             <a:r>
-              <a:rPr lang="zh-CN" altLang="en-US">
+              <a:rPr lang="zh-CN" altLang="en-US" dirty="0">
                 <a:sym typeface="+mn-ea"/>
               </a:rPr>
               <a:t>如何获得</a:t>
             </a:r>
-            <a:endParaRPr lang="zh-CN" altLang="en-US"/>
+            <a:endParaRPr lang="zh-CN" altLang="en-US" dirty="0"/>
           </a:p>
           <a:p>
             <a:pPr marL="0" indent="0">
               <a:buNone/>
             </a:pPr>
             <a:r>
-              <a:rPr lang="en-US" altLang="zh-CN">
+              <a:rPr lang="en-US" altLang="zh-CN" dirty="0">
                 <a:sym typeface="+mn-ea"/>
               </a:rPr>
               <a:t>3.</a:t>
             </a:r>
             <a:r>
-              <a:rPr lang="zh-CN" altLang="en-US">
+              <a:rPr lang="zh-CN" altLang="en-US" dirty="0">
                 <a:sym typeface="+mn-ea"/>
               </a:rPr>
               <a:t>如何执行</a:t>
             </a:r>
-            <a:endParaRPr lang="zh-CN" altLang="en-US"/>
+            <a:endParaRPr lang="zh-CN" altLang="en-US" dirty="0"/>
           </a:p>
           <a:p>
             <a:pPr marL="0" indent="0">
               <a:buNone/>
             </a:pPr>
             <a:r>
-              <a:rPr lang="en-US" altLang="zh-CN">
+              <a:rPr lang="en-US" altLang="zh-CN" dirty="0">
                 <a:sym typeface="+mn-ea"/>
               </a:rPr>
               <a:t>4.</a:t>
             </a:r>
             <a:r>
-              <a:rPr lang="zh-CN" altLang="en-US">
+              <a:rPr lang="zh-CN" altLang="en-US" dirty="0">
                 <a:sym typeface="+mn-ea"/>
               </a:rPr>
               <a:t>如何交付</a:t>
             </a:r>
-            <a:endParaRPr lang="zh-CN" altLang="en-US"/>
+            <a:endParaRPr lang="zh-CN" altLang="en-US" dirty="0"/>
           </a:p>
           <a:p>
             <a:pPr marL="0" indent="0">
               <a:buNone/>
             </a:pPr>
             <a:r>
-              <a:rPr lang="en-US" altLang="zh-CN">
+              <a:rPr lang="en-US" altLang="zh-CN" dirty="0">
                 <a:sym typeface="+mn-ea"/>
               </a:rPr>
               <a:t>5.</a:t>
             </a:r>
             <a:r>
-              <a:rPr lang="zh-CN" altLang="en-US">
+              <a:rPr lang="zh-CN" altLang="en-US" dirty="0">
                 <a:sym typeface="+mn-ea"/>
               </a:rPr>
               <a:t>起到什么作用</a:t>
             </a:r>
-            <a:endParaRPr lang="zh-CN" altLang="en-US"/>
+            <a:endParaRPr lang="zh-CN" altLang="en-US" dirty="0"/>
           </a:p>
           <a:p>
             <a:pPr marL="0" indent="0">
               <a:buNone/>
             </a:pPr>
-            <a:endParaRPr lang="zh-CN" altLang="en-US"/>
+            <a:endParaRPr lang="zh-CN" altLang="en-US" dirty="0"/>
           </a:p>
           <a:p>
             <a:pPr marL="0" indent="0">
               <a:buNone/>
             </a:pPr>
             <a:r>
-              <a:rPr lang="zh-CN" altLang="en-US">
-                <a:sym typeface="+mn-ea"/>
-              </a:rPr>
-              <a:t>一张复杂地图，有深度的人物及任务</a:t>
-            </a:r>
-            <a:endParaRPr lang="zh-CN" altLang="en-US"/>
+              <a:rPr lang="zh-CN" altLang="en-US" dirty="0" smtClean="0"/>
+              <a:t>较为核心的玩点</a:t>
+            </a:r>
+            <a:endParaRPr lang="zh-CN" altLang="en-US" dirty="0"/>
           </a:p>
         </p:txBody>
       </p:sp>
@@ -4666,20 +4709,12 @@
           <a:lstStyle/>
           <a:p>
             <a:r>
-              <a:rPr lang="en-US" altLang="zh-CN" sz="3500" dirty="0" err="1">
+              <a:rPr lang="en-US" altLang="zh-CN" sz="3500" dirty="0" smtClean="0">
                 <a:solidFill>
                   <a:schemeClr val="bg1"/>
                 </a:solidFill>
               </a:rPr>
-              <a:t>xy</a:t>
-            </a:r>
-            <a:r>
-              <a:rPr lang="zh-CN" altLang="en-US" sz="3500" dirty="0" smtClean="0">
-                <a:solidFill>
-                  <a:schemeClr val="bg1"/>
-                </a:solidFill>
-              </a:rPr>
-              <a:t>简介</a:t>
+              <a:t>NPC</a:t>
             </a:r>
             <a:endParaRPr lang="zh-CN" altLang="en-US" sz="3500" dirty="0">
               <a:solidFill>
@@ -4717,7 +4752,7 @@
                   <a:srgbClr val="29B167"/>
                 </a:solidFill>
               </a:rPr>
-              <a:t>后台说明  </a:t>
+              <a:t>要有深度</a:t>
             </a:r>
             <a:endParaRPr lang="zh-CN" altLang="en-US" sz="1900" b="1" dirty="0">
               <a:solidFill>
@@ -4757,6 +4792,149 @@
           </a:fontRef>
         </p:style>
       </p:cxnSp>
+      <p:sp>
+        <p:nvSpPr>
+          <p:cNvPr id="2" name="TextBox 1"/>
+          <p:cNvSpPr txBox="1"/>
+          <p:nvPr/>
+        </p:nvSpPr>
+        <p:spPr>
+          <a:xfrm>
+            <a:off x="690113" y="1815419"/>
+            <a:ext cx="2025927" cy="369332"/>
+          </a:xfrm>
+          <a:prstGeom prst="rect">
+            <a:avLst/>
+          </a:prstGeom>
+          <a:noFill/>
+        </p:spPr>
+        <p:txBody>
+          <a:bodyPr wrap="square" rtlCol="0">
+            <a:spAutoFit/>
+          </a:bodyPr>
+          <a:lstStyle/>
+          <a:p>
+            <a:r>
+              <a:rPr lang="zh-CN" altLang="en-US" dirty="0" smtClean="0"/>
+              <a:t>关系复杂</a:t>
+            </a:r>
+            <a:endParaRPr lang="zh-CN" altLang="en-US" dirty="0"/>
+          </a:p>
+        </p:txBody>
+      </p:sp>
+      <p:sp>
+        <p:nvSpPr>
+          <p:cNvPr id="9" name="TextBox 8"/>
+          <p:cNvSpPr txBox="1"/>
+          <p:nvPr/>
+        </p:nvSpPr>
+        <p:spPr>
+          <a:xfrm>
+            <a:off x="690113" y="2218890"/>
+            <a:ext cx="3918101" cy="369332"/>
+          </a:xfrm>
+          <a:prstGeom prst="rect">
+            <a:avLst/>
+          </a:prstGeom>
+          <a:noFill/>
+        </p:spPr>
+        <p:txBody>
+          <a:bodyPr wrap="square" rtlCol="0">
+            <a:spAutoFit/>
+          </a:bodyPr>
+          <a:lstStyle/>
+          <a:p>
+            <a:r>
+              <a:rPr lang="en-US" altLang="zh-CN" dirty="0"/>
+              <a:t>NPC</a:t>
+            </a:r>
+            <a:r>
+              <a:rPr lang="zh-CN" altLang="en-US" dirty="0" smtClean="0"/>
+              <a:t>背景复杂</a:t>
+            </a:r>
+            <a:endParaRPr lang="zh-CN" altLang="en-US" dirty="0"/>
+          </a:p>
+        </p:txBody>
+      </p:sp>
+      <p:sp>
+        <p:nvSpPr>
+          <p:cNvPr id="10" name="TextBox 9"/>
+          <p:cNvSpPr txBox="1"/>
+          <p:nvPr/>
+        </p:nvSpPr>
+        <p:spPr>
+          <a:xfrm>
+            <a:off x="690113" y="2588222"/>
+            <a:ext cx="3202877" cy="369332"/>
+          </a:xfrm>
+          <a:prstGeom prst="rect">
+            <a:avLst/>
+          </a:prstGeom>
+          <a:noFill/>
+        </p:spPr>
+        <p:txBody>
+          <a:bodyPr wrap="square" rtlCol="0">
+            <a:spAutoFit/>
+          </a:bodyPr>
+          <a:lstStyle/>
+          <a:p>
+            <a:r>
+              <a:rPr lang="zh-CN" altLang="en-US" dirty="0"/>
+              <a:t>结</a:t>
+            </a:r>
+            <a:r>
+              <a:rPr lang="zh-CN" altLang="en-US" dirty="0" smtClean="0"/>
+              <a:t>合故事背景</a:t>
+            </a:r>
+            <a:endParaRPr lang="zh-CN" altLang="en-US" dirty="0"/>
+          </a:p>
+        </p:txBody>
+      </p:sp>
+      <p:sp>
+        <p:nvSpPr>
+          <p:cNvPr id="11" name="TextBox 10"/>
+          <p:cNvSpPr txBox="1"/>
+          <p:nvPr/>
+        </p:nvSpPr>
+        <p:spPr>
+          <a:xfrm>
+            <a:off x="690113" y="3003720"/>
+            <a:ext cx="8725491" cy="646331"/>
+          </a:xfrm>
+          <a:prstGeom prst="rect">
+            <a:avLst/>
+          </a:prstGeom>
+          <a:noFill/>
+        </p:spPr>
+        <p:txBody>
+          <a:bodyPr wrap="square" rtlCol="0">
+            <a:spAutoFit/>
+          </a:bodyPr>
+          <a:lstStyle/>
+          <a:p>
+            <a:r>
+              <a:rPr lang="zh-CN" altLang="en-US" dirty="0" smtClean="0"/>
+              <a:t>突出</a:t>
+            </a:r>
+            <a:r>
+              <a:rPr lang="en-US" altLang="zh-CN" dirty="0" smtClean="0"/>
+              <a:t>NPC</a:t>
+            </a:r>
+            <a:r>
+              <a:rPr lang="zh-CN" altLang="en-US" dirty="0" smtClean="0"/>
+              <a:t>性格及形成原因：</a:t>
+            </a:r>
+            <a:endParaRPr lang="en-US" altLang="zh-CN" dirty="0" smtClean="0"/>
+          </a:p>
+          <a:p>
+            <a:r>
+              <a:rPr lang="zh-CN" altLang="en-US" dirty="0" smtClean="0"/>
+              <a:t>如说话声音大，喜欢打架。但这是 为了引起一直都对自己不满意的父亲的注意。</a:t>
+            </a:r>
+            <a:endParaRPr lang="zh-CN" altLang="en-US" dirty="0"/>
+          </a:p>
+        </p:txBody>
+      </p:sp>
     </p:spTree>
   </p:cSld>
   <p:clrMapOvr>
@@ -4837,7 +5015,7 @@
         <p:spPr>
           <a:xfrm>
             <a:off x="465826" y="274839"/>
-            <a:ext cx="3165895" cy="630942"/>
+            <a:ext cx="3165895" cy="629920"/>
           </a:xfrm>
           <a:prstGeom prst="rect">
             <a:avLst/>
@@ -4850,21 +5028,13 @@
           </a:bodyPr>
           <a:lstStyle/>
           <a:p>
-            <a:r>
-              <a:rPr lang="en-US" altLang="zh-CN" sz="3500" dirty="0" err="1">
-                <a:solidFill>
-                  <a:schemeClr val="bg1"/>
-                </a:solidFill>
-              </a:rPr>
-              <a:t>xy</a:t>
-            </a:r>
             <a:r>
               <a:rPr lang="zh-CN" altLang="en-US" sz="3500" dirty="0" smtClean="0">
                 <a:solidFill>
                   <a:schemeClr val="bg1"/>
                 </a:solidFill>
               </a:rPr>
-              <a:t>简介</a:t>
+              <a:t>背景</a:t>
             </a:r>
             <a:endParaRPr lang="zh-CN" altLang="en-US" sz="3500" dirty="0">
               <a:solidFill>
@@ -4876,14 +5046,14 @@
       </p:sp>
       <p:sp>
         <p:nvSpPr>
-          <p:cNvPr id="6" name="文本框 5"/>
+          <p:cNvPr id="2" name="TextBox 1"/>
           <p:cNvSpPr txBox="1"/>
           <p:nvPr/>
         </p:nvSpPr>
         <p:spPr>
           <a:xfrm>
-            <a:off x="569342" y="1285336"/>
-            <a:ext cx="1216325" cy="384721"/>
+            <a:off x="465826" y="1330859"/>
+            <a:ext cx="7034542" cy="369332"/>
           </a:xfrm>
           <a:prstGeom prst="rect">
             <a:avLst/>
@@ -4897,52 +5067,23 @@
           <a:lstStyle/>
           <a:p>
             <a:r>
-              <a:rPr lang="zh-CN" altLang="en-US" sz="1900" b="1" dirty="0" smtClean="0">
-                <a:solidFill>
-                  <a:srgbClr val="29B167"/>
-                </a:solidFill>
-              </a:rPr>
-              <a:t>后台说明  </a:t>
-            </a:r>
-            <a:endParaRPr lang="zh-CN" altLang="en-US" sz="1900" b="1" dirty="0">
-              <a:solidFill>
-                <a:srgbClr val="29B167"/>
-              </a:solidFill>
-            </a:endParaRPr>
-          </a:p>
-        </p:txBody>
-      </p:sp>
-      <p:cxnSp>
-        <p:nvCxnSpPr>
-          <p:cNvPr id="8" name="直接连接符 7"/>
-          <p:cNvCxnSpPr/>
-          <p:nvPr/>
-        </p:nvCxnSpPr>
-        <p:spPr>
-          <a:xfrm>
-            <a:off x="690113" y="1654668"/>
-            <a:ext cx="3502325" cy="0"/>
-          </a:xfrm>
-          <a:prstGeom prst="line">
-            <a:avLst/>
-          </a:prstGeom>
-        </p:spPr>
-        <p:style>
-          <a:lnRef idx="3">
-            <a:schemeClr val="accent6"/>
-          </a:lnRef>
-          <a:fillRef idx="0">
-            <a:schemeClr val="accent6"/>
-          </a:fillRef>
-          <a:effectRef idx="2">
-            <a:schemeClr val="accent6"/>
-          </a:effectRef>
-          <a:fontRef idx="minor">
-            <a:schemeClr val="tx1"/>
-          </a:fontRef>
-        </p:style>
-      </p:cxnSp>
+              <a:rPr lang="zh-CN" altLang="en-US" dirty="0"/>
+              <a:t>初</a:t>
+            </a:r>
+            <a:r>
+              <a:rPr lang="zh-CN" altLang="en-US" dirty="0" smtClean="0"/>
+              <a:t>步定为传销题材，如果与玩法冲突，可以更改</a:t>
+            </a:r>
+            <a:endParaRPr lang="zh-CN" altLang="en-US" dirty="0"/>
+          </a:p>
+        </p:txBody>
+      </p:sp>
     </p:spTree>
+    <p:extLst>
+      <p:ext uri="{BB962C8B-B14F-4D97-AF65-F5344CB8AC3E}">
+        <p14:creationId xmlns:p14="http://schemas.microsoft.com/office/powerpoint/2010/main" val="990278501"/>
+      </p:ext>
+    </p:extLst>
   </p:cSld>
   <p:clrMapOvr>
     <a:masterClrMapping/>
